--- a/docs/figs/logo.pptx
+++ b/docs/figs/logo.pptx
@@ -2,7 +2,7 @@
 <file path=ppt/presentation.xml><?xml version="1.0" encoding="utf-8"?>
 <p:presentation xmlns:a="http://schemas.openxmlformats.org/drawingml/2006/main" xmlns:r="http://schemas.openxmlformats.org/officeDocument/2006/relationships" xmlns:p="http://schemas.openxmlformats.org/presentationml/2006/main" saveSubsetFonts="1">
   <p:sldMasterIdLst>
-    <p:sldMasterId id="2147483828" r:id="rId1"/>
+    <p:sldMasterId id="2147483840" r:id="rId1"/>
   </p:sldMasterIdLst>
   <p:notesMasterIdLst>
     <p:notesMasterId r:id="rId3"/>
@@ -10,7 +10,7 @@
   <p:sldIdLst>
     <p:sldId id="264" r:id="rId2"/>
   </p:sldIdLst>
-  <p:sldSz cx="1920875" cy="914400"/>
+  <p:sldSz cx="2378075" cy="914400"/>
   <p:notesSz cx="6858000" cy="9144000"/>
   <p:defaultTextStyle>
     <a:defPPr>
@@ -215,8 +215,8 @@
         </p:nvSpPr>
         <p:spPr>
           <a:xfrm>
-            <a:off x="188913" y="1143000"/>
-            <a:ext cx="6480175" cy="3086100"/>
+            <a:off x="-582613" y="1143000"/>
+            <a:ext cx="8023226" cy="3086100"/>
           </a:xfrm>
           <a:prstGeom prst="rect">
             <a:avLst/>
@@ -494,8 +494,8 @@
         </p:nvSpPr>
         <p:spPr>
           <a:xfrm>
-            <a:off x="188913" y="1143000"/>
-            <a:ext cx="6480175" cy="3086100"/>
+            <a:off x="-582613" y="1143000"/>
+            <a:ext cx="8023226" cy="3086100"/>
           </a:xfrm>
         </p:spPr>
       </p:sp>
@@ -583,8 +583,8 @@
         </p:nvSpPr>
         <p:spPr>
           <a:xfrm>
-            <a:off x="240110" y="149648"/>
-            <a:ext cx="1440656" cy="318347"/>
+            <a:off x="297260" y="149648"/>
+            <a:ext cx="1783556" cy="318347"/>
           </a:xfrm>
         </p:spPr>
         <p:txBody>
@@ -615,8 +615,8 @@
         </p:nvSpPr>
         <p:spPr>
           <a:xfrm>
-            <a:off x="240110" y="480272"/>
-            <a:ext cx="1440656" cy="220768"/>
+            <a:off x="297260" y="480272"/>
+            <a:ext cx="1783556" cy="220768"/>
           </a:xfrm>
         </p:spPr>
         <p:txBody>
@@ -736,7 +736,7 @@
     </p:spTree>
     <p:extLst>
       <p:ext uri="{BB962C8B-B14F-4D97-AF65-F5344CB8AC3E}">
-        <p14:creationId xmlns:p14="http://schemas.microsoft.com/office/powerpoint/2010/main" val="3756449218"/>
+        <p14:creationId xmlns:p14="http://schemas.microsoft.com/office/powerpoint/2010/main" val="3298758738"/>
       </p:ext>
     </p:extLst>
   </p:cSld>
@@ -906,7 +906,7 @@
     </p:spTree>
     <p:extLst>
       <p:ext uri="{BB962C8B-B14F-4D97-AF65-F5344CB8AC3E}">
-        <p14:creationId xmlns:p14="http://schemas.microsoft.com/office/powerpoint/2010/main" val="2463636790"/>
+        <p14:creationId xmlns:p14="http://schemas.microsoft.com/office/powerpoint/2010/main" val="2273913405"/>
       </p:ext>
     </p:extLst>
   </p:cSld>
@@ -945,8 +945,8 @@
         </p:nvSpPr>
         <p:spPr>
           <a:xfrm>
-            <a:off x="1374626" y="48683"/>
-            <a:ext cx="414189" cy="774912"/>
+            <a:off x="1701810" y="48683"/>
+            <a:ext cx="512772" cy="774912"/>
           </a:xfrm>
         </p:spPr>
         <p:txBody>
@@ -973,8 +973,8 @@
         </p:nvSpPr>
         <p:spPr>
           <a:xfrm>
-            <a:off x="132060" y="48683"/>
-            <a:ext cx="1218555" cy="774912"/>
+            <a:off x="163493" y="48683"/>
+            <a:ext cx="1508591" cy="774912"/>
           </a:xfrm>
         </p:spPr>
         <p:txBody>
@@ -1086,7 +1086,7 @@
     </p:spTree>
     <p:extLst>
       <p:ext uri="{BB962C8B-B14F-4D97-AF65-F5344CB8AC3E}">
-        <p14:creationId xmlns:p14="http://schemas.microsoft.com/office/powerpoint/2010/main" val="3921305236"/>
+        <p14:creationId xmlns:p14="http://schemas.microsoft.com/office/powerpoint/2010/main" val="2564565286"/>
       </p:ext>
     </p:extLst>
   </p:cSld>
@@ -1256,7 +1256,7 @@
     </p:spTree>
     <p:extLst>
       <p:ext uri="{BB962C8B-B14F-4D97-AF65-F5344CB8AC3E}">
-        <p14:creationId xmlns:p14="http://schemas.microsoft.com/office/powerpoint/2010/main" val="3400273578"/>
+        <p14:creationId xmlns:p14="http://schemas.microsoft.com/office/powerpoint/2010/main" val="791162657"/>
       </p:ext>
     </p:extLst>
   </p:cSld>
@@ -1295,8 +1295,8 @@
         </p:nvSpPr>
         <p:spPr>
           <a:xfrm>
-            <a:off x="131060" y="227965"/>
-            <a:ext cx="1656755" cy="380365"/>
+            <a:off x="162254" y="227965"/>
+            <a:ext cx="2051090" cy="380365"/>
           </a:xfrm>
         </p:spPr>
         <p:txBody>
@@ -1327,8 +1327,8 @@
         </p:nvSpPr>
         <p:spPr>
           <a:xfrm>
-            <a:off x="131060" y="611928"/>
-            <a:ext cx="1656755" cy="200025"/>
+            <a:off x="162254" y="611928"/>
+            <a:ext cx="2051090" cy="200025"/>
           </a:xfrm>
         </p:spPr>
         <p:txBody>
@@ -1502,7 +1502,7 @@
     </p:spTree>
     <p:extLst>
       <p:ext uri="{BB962C8B-B14F-4D97-AF65-F5344CB8AC3E}">
-        <p14:creationId xmlns:p14="http://schemas.microsoft.com/office/powerpoint/2010/main" val="897214877"/>
+        <p14:creationId xmlns:p14="http://schemas.microsoft.com/office/powerpoint/2010/main" val="3572559795"/>
       </p:ext>
     </p:extLst>
   </p:cSld>
@@ -1564,8 +1564,8 @@
         </p:nvSpPr>
         <p:spPr>
           <a:xfrm>
-            <a:off x="132060" y="243417"/>
-            <a:ext cx="816372" cy="580178"/>
+            <a:off x="163493" y="243417"/>
+            <a:ext cx="1010682" cy="580178"/>
           </a:xfrm>
         </p:spPr>
         <p:txBody>
@@ -1621,8 +1621,8 @@
         </p:nvSpPr>
         <p:spPr>
           <a:xfrm>
-            <a:off x="972443" y="243417"/>
-            <a:ext cx="816372" cy="580178"/>
+            <a:off x="1203900" y="243417"/>
+            <a:ext cx="1010682" cy="580178"/>
           </a:xfrm>
         </p:spPr>
         <p:txBody>
@@ -1734,7 +1734,7 @@
     </p:spTree>
     <p:extLst>
       <p:ext uri="{BB962C8B-B14F-4D97-AF65-F5344CB8AC3E}">
-        <p14:creationId xmlns:p14="http://schemas.microsoft.com/office/powerpoint/2010/main" val="1610641078"/>
+        <p14:creationId xmlns:p14="http://schemas.microsoft.com/office/powerpoint/2010/main" val="1390258096"/>
       </p:ext>
     </p:extLst>
   </p:cSld>
@@ -1773,8 +1773,8 @@
         </p:nvSpPr>
         <p:spPr>
           <a:xfrm>
-            <a:off x="132310" y="48683"/>
-            <a:ext cx="1656755" cy="176742"/>
+            <a:off x="163802" y="48683"/>
+            <a:ext cx="2051090" cy="176742"/>
           </a:xfrm>
         </p:spPr>
         <p:txBody>
@@ -1801,8 +1801,8 @@
         </p:nvSpPr>
         <p:spPr>
           <a:xfrm>
-            <a:off x="132310" y="224155"/>
-            <a:ext cx="812620" cy="109855"/>
+            <a:off x="163803" y="224155"/>
+            <a:ext cx="1006037" cy="109855"/>
           </a:xfrm>
         </p:spPr>
         <p:txBody>
@@ -1866,8 +1866,8 @@
         </p:nvSpPr>
         <p:spPr>
           <a:xfrm>
-            <a:off x="132310" y="334010"/>
-            <a:ext cx="812620" cy="491278"/>
+            <a:off x="163803" y="334010"/>
+            <a:ext cx="1006037" cy="491278"/>
           </a:xfrm>
         </p:spPr>
         <p:txBody>
@@ -1923,8 +1923,8 @@
         </p:nvSpPr>
         <p:spPr>
           <a:xfrm>
-            <a:off x="972443" y="224155"/>
-            <a:ext cx="816622" cy="109855"/>
+            <a:off x="1203900" y="224155"/>
+            <a:ext cx="1010992" cy="109855"/>
           </a:xfrm>
         </p:spPr>
         <p:txBody>
@@ -1988,8 +1988,8 @@
         </p:nvSpPr>
         <p:spPr>
           <a:xfrm>
-            <a:off x="972443" y="334010"/>
-            <a:ext cx="816622" cy="491278"/>
+            <a:off x="1203900" y="334010"/>
+            <a:ext cx="1010992" cy="491278"/>
           </a:xfrm>
         </p:spPr>
         <p:txBody>
@@ -2101,7 +2101,7 @@
     </p:spTree>
     <p:extLst>
       <p:ext uri="{BB962C8B-B14F-4D97-AF65-F5344CB8AC3E}">
-        <p14:creationId xmlns:p14="http://schemas.microsoft.com/office/powerpoint/2010/main" val="2423445071"/>
+        <p14:creationId xmlns:p14="http://schemas.microsoft.com/office/powerpoint/2010/main" val="3893292909"/>
       </p:ext>
     </p:extLst>
   </p:cSld>
@@ -2219,7 +2219,7 @@
     </p:spTree>
     <p:extLst>
       <p:ext uri="{BB962C8B-B14F-4D97-AF65-F5344CB8AC3E}">
-        <p14:creationId xmlns:p14="http://schemas.microsoft.com/office/powerpoint/2010/main" val="1136949111"/>
+        <p14:creationId xmlns:p14="http://schemas.microsoft.com/office/powerpoint/2010/main" val="1333139906"/>
       </p:ext>
     </p:extLst>
   </p:cSld>
@@ -2314,7 +2314,7 @@
     </p:spTree>
     <p:extLst>
       <p:ext uri="{BB962C8B-B14F-4D97-AF65-F5344CB8AC3E}">
-        <p14:creationId xmlns:p14="http://schemas.microsoft.com/office/powerpoint/2010/main" val="2847307517"/>
+        <p14:creationId xmlns:p14="http://schemas.microsoft.com/office/powerpoint/2010/main" val="1766717232"/>
       </p:ext>
     </p:extLst>
   </p:cSld>
@@ -2353,8 +2353,8 @@
         </p:nvSpPr>
         <p:spPr>
           <a:xfrm>
-            <a:off x="132310" y="60960"/>
-            <a:ext cx="619532" cy="213360"/>
+            <a:off x="163803" y="60960"/>
+            <a:ext cx="766991" cy="213360"/>
           </a:xfrm>
         </p:spPr>
         <p:txBody>
@@ -2385,8 +2385,8 @@
         </p:nvSpPr>
         <p:spPr>
           <a:xfrm>
-            <a:off x="816622" y="131657"/>
-            <a:ext cx="972443" cy="649817"/>
+            <a:off x="1010992" y="131657"/>
+            <a:ext cx="1203900" cy="649817"/>
           </a:xfrm>
         </p:spPr>
         <p:txBody>
@@ -2470,8 +2470,8 @@
         </p:nvSpPr>
         <p:spPr>
           <a:xfrm>
-            <a:off x="132310" y="274320"/>
-            <a:ext cx="619532" cy="508212"/>
+            <a:off x="163803" y="274320"/>
+            <a:ext cx="766991" cy="508212"/>
           </a:xfrm>
         </p:spPr>
         <p:txBody>
@@ -2591,7 +2591,7 @@
     </p:spTree>
     <p:extLst>
       <p:ext uri="{BB962C8B-B14F-4D97-AF65-F5344CB8AC3E}">
-        <p14:creationId xmlns:p14="http://schemas.microsoft.com/office/powerpoint/2010/main" val="280812710"/>
+        <p14:creationId xmlns:p14="http://schemas.microsoft.com/office/powerpoint/2010/main" val="367793786"/>
       </p:ext>
     </p:extLst>
   </p:cSld>
@@ -2630,8 +2630,8 @@
         </p:nvSpPr>
         <p:spPr>
           <a:xfrm>
-            <a:off x="132310" y="60960"/>
-            <a:ext cx="619532" cy="213360"/>
+            <a:off x="163803" y="60960"/>
+            <a:ext cx="766991" cy="213360"/>
           </a:xfrm>
         </p:spPr>
         <p:txBody>
@@ -2662,8 +2662,8 @@
         </p:nvSpPr>
         <p:spPr>
           <a:xfrm>
-            <a:off x="816622" y="131657"/>
-            <a:ext cx="972443" cy="649817"/>
+            <a:off x="1010992" y="131657"/>
+            <a:ext cx="1203900" cy="649817"/>
           </a:xfrm>
         </p:spPr>
         <p:txBody>
@@ -2727,8 +2727,8 @@
         </p:nvSpPr>
         <p:spPr>
           <a:xfrm>
-            <a:off x="132310" y="274320"/>
-            <a:ext cx="619532" cy="508212"/>
+            <a:off x="163803" y="274320"/>
+            <a:ext cx="766991" cy="508212"/>
           </a:xfrm>
         </p:spPr>
         <p:txBody>
@@ -2848,7 +2848,7 @@
     </p:spTree>
     <p:extLst>
       <p:ext uri="{BB962C8B-B14F-4D97-AF65-F5344CB8AC3E}">
-        <p14:creationId xmlns:p14="http://schemas.microsoft.com/office/powerpoint/2010/main" val="965391851"/>
+        <p14:creationId xmlns:p14="http://schemas.microsoft.com/office/powerpoint/2010/main" val="2303212798"/>
       </p:ext>
     </p:extLst>
   </p:cSld>
@@ -2892,8 +2892,8 @@
         </p:nvSpPr>
         <p:spPr>
           <a:xfrm>
-            <a:off x="132060" y="48683"/>
-            <a:ext cx="1656755" cy="176742"/>
+            <a:off x="163493" y="48683"/>
+            <a:ext cx="2051090" cy="176742"/>
           </a:xfrm>
           <a:prstGeom prst="rect">
             <a:avLst/>
@@ -2925,8 +2925,8 @@
         </p:nvSpPr>
         <p:spPr>
           <a:xfrm>
-            <a:off x="132060" y="243417"/>
-            <a:ext cx="1656755" cy="580178"/>
+            <a:off x="163493" y="243417"/>
+            <a:ext cx="2051090" cy="580178"/>
           </a:xfrm>
           <a:prstGeom prst="rect">
             <a:avLst/>
@@ -2987,8 +2987,8 @@
         </p:nvSpPr>
         <p:spPr>
           <a:xfrm>
-            <a:off x="132060" y="847514"/>
-            <a:ext cx="432197" cy="48683"/>
+            <a:off x="163493" y="847514"/>
+            <a:ext cx="535067" cy="48683"/>
           </a:xfrm>
           <a:prstGeom prst="rect">
             <a:avLst/>
@@ -3028,8 +3028,8 @@
         </p:nvSpPr>
         <p:spPr>
           <a:xfrm>
-            <a:off x="636290" y="847514"/>
-            <a:ext cx="648295" cy="48683"/>
+            <a:off x="787738" y="847514"/>
+            <a:ext cx="802600" cy="48683"/>
           </a:xfrm>
           <a:prstGeom prst="rect">
             <a:avLst/>
@@ -3065,8 +3065,8 @@
         </p:nvSpPr>
         <p:spPr>
           <a:xfrm>
-            <a:off x="1356618" y="847514"/>
-            <a:ext cx="432197" cy="48683"/>
+            <a:off x="1679515" y="847514"/>
+            <a:ext cx="535067" cy="48683"/>
           </a:xfrm>
           <a:prstGeom prst="rect">
             <a:avLst/>
@@ -3097,23 +3097,23 @@
     </p:spTree>
     <p:extLst>
       <p:ext uri="{BB962C8B-B14F-4D97-AF65-F5344CB8AC3E}">
-        <p14:creationId xmlns:p14="http://schemas.microsoft.com/office/powerpoint/2010/main" val="953672642"/>
+        <p14:creationId xmlns:p14="http://schemas.microsoft.com/office/powerpoint/2010/main" val="2671963818"/>
       </p:ext>
     </p:extLst>
   </p:cSld>
   <p:clrMap bg1="lt1" tx1="dk1" bg2="lt2" tx2="dk2" accent1="accent1" accent2="accent2" accent3="accent3" accent4="accent4" accent5="accent5" accent6="accent6" hlink="hlink" folHlink="folHlink"/>
   <p:sldLayoutIdLst>
-    <p:sldLayoutId id="2147483829" r:id="rId1"/>
-    <p:sldLayoutId id="2147483830" r:id="rId2"/>
-    <p:sldLayoutId id="2147483831" r:id="rId3"/>
-    <p:sldLayoutId id="2147483832" r:id="rId4"/>
-    <p:sldLayoutId id="2147483833" r:id="rId5"/>
-    <p:sldLayoutId id="2147483834" r:id="rId6"/>
-    <p:sldLayoutId id="2147483835" r:id="rId7"/>
-    <p:sldLayoutId id="2147483836" r:id="rId8"/>
-    <p:sldLayoutId id="2147483837" r:id="rId9"/>
-    <p:sldLayoutId id="2147483838" r:id="rId10"/>
-    <p:sldLayoutId id="2147483839" r:id="rId11"/>
+    <p:sldLayoutId id="2147483841" r:id="rId1"/>
+    <p:sldLayoutId id="2147483842" r:id="rId2"/>
+    <p:sldLayoutId id="2147483843" r:id="rId3"/>
+    <p:sldLayoutId id="2147483844" r:id="rId4"/>
+    <p:sldLayoutId id="2147483845" r:id="rId5"/>
+    <p:sldLayoutId id="2147483846" r:id="rId6"/>
+    <p:sldLayoutId id="2147483847" r:id="rId7"/>
+    <p:sldLayoutId id="2147483848" r:id="rId8"/>
+    <p:sldLayoutId id="2147483849" r:id="rId9"/>
+    <p:sldLayoutId id="2147483850" r:id="rId10"/>
+    <p:sldLayoutId id="2147483851" r:id="rId11"/>
   </p:sldLayoutIdLst>
   <p:txStyles>
     <p:titleStyle>
@@ -3417,7 +3417,7 @@
       </p:grpSpPr>
       <p:sp>
         <p:nvSpPr>
-          <p:cNvPr id="56" name="Freeform: Shape 55">
+          <p:cNvPr id="4" name="Freeform: Shape 3">
             <a:extLst>
               <a:ext uri="{FF2B5EF4-FFF2-40B4-BE49-F238E27FC236}">
                 <a16:creationId xmlns:a16="http://schemas.microsoft.com/office/drawing/2014/main" id="{9BD998D1-A61F-2DC2-A359-00A43060CCAD}"/>
@@ -3429,8 +3429,8 @@
         </p:nvSpPr>
         <p:spPr>
           <a:xfrm>
-            <a:off x="123119" y="65178"/>
-            <a:ext cx="1724731" cy="663486"/>
+            <a:off x="35010" y="198528"/>
+            <a:ext cx="2258131" cy="663486"/>
           </a:xfrm>
           <a:custGeom>
             <a:avLst/>
@@ -3578,13 +3578,13 @@
           <a:lstStyle/>
           <a:p>
             <a:pPr algn="ctr"/>
-            <a:endParaRPr lang="nl-NL"/>
-          </a:p>
-        </p:txBody>
-      </p:sp>
-      <p:sp>
-        <p:nvSpPr>
-          <p:cNvPr id="57" name="TextBox 56">
+            <a:endParaRPr lang="nl-NL" sz="2800"/>
+          </a:p>
+        </p:txBody>
+      </p:sp>
+      <p:sp>
+        <p:nvSpPr>
+          <p:cNvPr id="5" name="TextBox 4">
             <a:extLst>
               <a:ext uri="{FF2B5EF4-FFF2-40B4-BE49-F238E27FC236}">
                 <a16:creationId xmlns:a16="http://schemas.microsoft.com/office/drawing/2014/main" id="{1160F10B-B21B-287F-1292-6E7D7C89B06B}"/>
@@ -3596,8 +3596,8 @@
         </p:nvSpPr>
         <p:spPr>
           <a:xfrm>
-            <a:off x="4672" y="199427"/>
-            <a:ext cx="463588" cy="707886"/>
+            <a:off x="-40304" y="177994"/>
+            <a:ext cx="572593" cy="923330"/>
           </a:xfrm>
           <a:prstGeom prst="rect">
             <a:avLst/>
@@ -3612,16 +3612,16 @@
           <a:p>
             <a:pPr algn="ctr"/>
             <a:r>
-              <a:rPr lang="en-US" sz="4000" dirty="0"/>
+              <a:rPr lang="en-US" sz="5400" b="1" dirty="0"/>
               <a:t>B</a:t>
             </a:r>
-            <a:endParaRPr lang="nl-NL" sz="4000" dirty="0"/>
-          </a:p>
-        </p:txBody>
-      </p:sp>
-      <p:sp>
-        <p:nvSpPr>
-          <p:cNvPr id="68" name="TextBox 67">
+            <a:endParaRPr lang="nl-NL" sz="5400" b="1" dirty="0"/>
+          </a:p>
+        </p:txBody>
+      </p:sp>
+      <p:sp>
+        <p:nvSpPr>
+          <p:cNvPr id="6" name="TextBox 5">
             <a:extLst>
               <a:ext uri="{FF2B5EF4-FFF2-40B4-BE49-F238E27FC236}">
                 <a16:creationId xmlns:a16="http://schemas.microsoft.com/office/drawing/2014/main" id="{E949A0B2-9DAB-0E23-6166-0B3782734E92}"/>
@@ -3633,8 +3633,8 @@
         </p:nvSpPr>
         <p:spPr>
           <a:xfrm>
-            <a:off x="252595" y="293966"/>
-            <a:ext cx="385042" cy="584775"/>
+            <a:off x="267309" y="293962"/>
+            <a:ext cx="460383" cy="769441"/>
           </a:xfrm>
           <a:prstGeom prst="rect">
             <a:avLst/>
@@ -3649,16 +3649,16 @@
           <a:p>
             <a:pPr algn="ctr"/>
             <a:r>
-              <a:rPr lang="en-US" sz="3200" dirty="0"/>
+              <a:rPr lang="en-US" sz="4400" b="1" dirty="0"/>
               <a:t>E</a:t>
             </a:r>
-            <a:endParaRPr lang="nl-NL" sz="3200" dirty="0"/>
+            <a:endParaRPr lang="nl-NL" sz="4400" b="1" dirty="0"/>
           </a:p>
         </p:txBody>
       </p:sp>
       <p:cxnSp>
         <p:nvCxnSpPr>
-          <p:cNvPr id="69" name="Straight Connector 68">
+          <p:cNvPr id="7" name="Straight Connector 6">
             <a:extLst>
               <a:ext uri="{FF2B5EF4-FFF2-40B4-BE49-F238E27FC236}">
                 <a16:creationId xmlns:a16="http://schemas.microsoft.com/office/drawing/2014/main" id="{01D945D7-36DE-53BA-DD76-59D7DF148823}"/>
@@ -3672,8 +3672,8 @@
         </p:nvCxnSpPr>
         <p:spPr>
           <a:xfrm>
-            <a:off x="136863" y="740727"/>
-            <a:ext cx="1710987" cy="0"/>
+            <a:off x="34468" y="883601"/>
+            <a:ext cx="2286000" cy="0"/>
           </a:xfrm>
           <a:prstGeom prst="line">
             <a:avLst/>
@@ -3703,7 +3703,7 @@
       </p:cxnSp>
       <p:sp>
         <p:nvSpPr>
-          <p:cNvPr id="72" name="TextBox 71">
+          <p:cNvPr id="8" name="TextBox 7">
             <a:extLst>
               <a:ext uri="{FF2B5EF4-FFF2-40B4-BE49-F238E27FC236}">
                 <a16:creationId xmlns:a16="http://schemas.microsoft.com/office/drawing/2014/main" id="{713572E5-A4FD-BFA6-FCD0-5EC06D45E202}"/>
@@ -3715,8 +3715,8 @@
         </p:nvSpPr>
         <p:spPr>
           <a:xfrm>
-            <a:off x="430877" y="386834"/>
-            <a:ext cx="383438" cy="461665"/>
+            <a:off x="473224" y="389211"/>
+            <a:ext cx="489238" cy="646331"/>
           </a:xfrm>
           <a:prstGeom prst="rect">
             <a:avLst/>
@@ -3731,16 +3731,16 @@
           <a:p>
             <a:pPr algn="ctr"/>
             <a:r>
-              <a:rPr lang="en-US" sz="2400" dirty="0"/>
+              <a:rPr lang="en-US" sz="3600" b="1" dirty="0"/>
               <a:t>N</a:t>
             </a:r>
-            <a:endParaRPr lang="nl-NL" sz="2400" dirty="0"/>
-          </a:p>
-        </p:txBody>
-      </p:sp>
-      <p:sp>
-        <p:nvSpPr>
-          <p:cNvPr id="73" name="TextBox 72">
+            <a:endParaRPr lang="nl-NL" sz="3600" b="1" dirty="0"/>
+          </a:p>
+        </p:txBody>
+      </p:sp>
+      <p:sp>
+        <p:nvSpPr>
+          <p:cNvPr id="9" name="TextBox 8">
             <a:extLst>
               <a:ext uri="{FF2B5EF4-FFF2-40B4-BE49-F238E27FC236}">
                 <a16:creationId xmlns:a16="http://schemas.microsoft.com/office/drawing/2014/main" id="{31BDC452-A062-A284-69B4-8E901E24569A}"/>
@@ -3751,9 +3751,9 @@
           <p:nvPr/>
         </p:nvSpPr>
         <p:spPr>
-          <a:xfrm>
-            <a:off x="620215" y="461166"/>
-            <a:ext cx="290464" cy="369332"/>
+          <a:xfrm rot="20842619">
+            <a:off x="734513" y="473070"/>
+            <a:ext cx="349776" cy="523220"/>
           </a:xfrm>
           <a:prstGeom prst="rect">
             <a:avLst/>
@@ -3767,16 +3767,16 @@
           <a:lstStyle/>
           <a:p>
             <a:r>
-              <a:rPr lang="en-US" dirty="0"/>
+              <a:rPr lang="en-US" sz="2800" b="1" dirty="0"/>
               <a:t>F</a:t>
             </a:r>
-            <a:endParaRPr lang="nl-NL" dirty="0"/>
-          </a:p>
-        </p:txBody>
-      </p:sp>
-      <p:sp>
-        <p:nvSpPr>
-          <p:cNvPr id="74" name="TextBox 73">
+            <a:endParaRPr lang="nl-NL" sz="2800" b="1" dirty="0"/>
+          </a:p>
+        </p:txBody>
+      </p:sp>
+      <p:sp>
+        <p:nvSpPr>
+          <p:cNvPr id="10" name="TextBox 9">
             <a:extLst>
               <a:ext uri="{FF2B5EF4-FFF2-40B4-BE49-F238E27FC236}">
                 <a16:creationId xmlns:a16="http://schemas.microsoft.com/office/drawing/2014/main" id="{E2C8A431-2550-24AE-4685-2575BB0E5BA6}"/>
@@ -3788,8 +3788,8 @@
         </p:nvSpPr>
         <p:spPr>
           <a:xfrm rot="20464720">
-            <a:off x="259051" y="22137"/>
-            <a:ext cx="393056" cy="584775"/>
+            <a:off x="268202" y="-77341"/>
+            <a:ext cx="470001" cy="769441"/>
           </a:xfrm>
           <a:prstGeom prst="rect">
             <a:avLst/>
@@ -3804,7 +3804,7 @@
           <a:p>
             <a:pPr algn="ctr"/>
             <a:r>
-              <a:rPr lang="en-US" sz="3200" dirty="0">
+              <a:rPr lang="en-US" sz="4400" dirty="0">
                 <a:solidFill>
                   <a:schemeClr val="accent2">
                     <a:lumMod val="50000"/>
@@ -3813,7 +3813,7 @@
               </a:rPr>
               <a:t>2</a:t>
             </a:r>
-            <a:endParaRPr lang="nl-NL" sz="3200" dirty="0">
+            <a:endParaRPr lang="nl-NL" sz="4400" dirty="0">
               <a:solidFill>
                 <a:schemeClr val="accent2">
                   <a:lumMod val="50000"/>
@@ -3825,7 +3825,7 @@
       </p:sp>
       <p:sp>
         <p:nvSpPr>
-          <p:cNvPr id="75" name="TextBox 74">
+          <p:cNvPr id="11" name="TextBox 10">
             <a:extLst>
               <a:ext uri="{FF2B5EF4-FFF2-40B4-BE49-F238E27FC236}">
                 <a16:creationId xmlns:a16="http://schemas.microsoft.com/office/drawing/2014/main" id="{5537DF26-9F5C-AF8E-3BBA-215375DCEAEB}"/>
@@ -3837,8 +3837,8 @@
         </p:nvSpPr>
         <p:spPr>
           <a:xfrm rot="8378643">
-            <a:off x="483750" y="212532"/>
-            <a:ext cx="340157" cy="461665"/>
+            <a:off x="543950" y="126270"/>
+            <a:ext cx="418705" cy="646331"/>
           </a:xfrm>
           <a:prstGeom prst="rect">
             <a:avLst/>
@@ -3853,7 +3853,7 @@
           <a:p>
             <a:pPr algn="ctr"/>
             <a:r>
-              <a:rPr lang="en-US" sz="2400" dirty="0">
+              <a:rPr lang="en-US" sz="3600" dirty="0">
                 <a:solidFill>
                   <a:schemeClr val="accent2">
                     <a:lumMod val="50000"/>
@@ -3862,7 +3862,7 @@
               </a:rPr>
               <a:t>3</a:t>
             </a:r>
-            <a:endParaRPr lang="nl-NL" sz="2400" dirty="0">
+            <a:endParaRPr lang="nl-NL" sz="3600" dirty="0">
               <a:solidFill>
                 <a:schemeClr val="accent2">
                   <a:lumMod val="50000"/>
@@ -3874,7 +3874,7 @@
       </p:sp>
       <p:sp>
         <p:nvSpPr>
-          <p:cNvPr id="76" name="TextBox 75">
+          <p:cNvPr id="20" name="TextBox 19">
             <a:extLst>
               <a:ext uri="{FF2B5EF4-FFF2-40B4-BE49-F238E27FC236}">
                 <a16:creationId xmlns:a16="http://schemas.microsoft.com/office/drawing/2014/main" id="{6CA8B524-D8A6-E7BF-ED67-AAFB4160A16B}"/>
@@ -3886,8 +3886,8 @@
         </p:nvSpPr>
         <p:spPr>
           <a:xfrm rot="18438928">
-            <a:off x="708299" y="462500"/>
-            <a:ext cx="336952" cy="369332"/>
+            <a:off x="865819" y="485569"/>
+            <a:ext cx="426720" cy="523220"/>
           </a:xfrm>
           <a:prstGeom prst="rect">
             <a:avLst/>
@@ -3901,16 +3901,16 @@
           <a:lstStyle/>
           <a:p>
             <a:r>
-              <a:rPr lang="en-US" dirty="0"/>
+              <a:rPr lang="en-US" sz="2800" b="1" dirty="0"/>
               <a:t>O</a:t>
             </a:r>
-            <a:endParaRPr lang="nl-NL" dirty="0"/>
-          </a:p>
-        </p:txBody>
-      </p:sp>
-      <p:sp>
-        <p:nvSpPr>
-          <p:cNvPr id="77" name="TextBox 76">
+            <a:endParaRPr lang="nl-NL" sz="2800" b="1" dirty="0"/>
+          </a:p>
+        </p:txBody>
+      </p:sp>
+      <p:sp>
+        <p:nvSpPr>
+          <p:cNvPr id="21" name="TextBox 20">
             <a:extLst>
               <a:ext uri="{FF2B5EF4-FFF2-40B4-BE49-F238E27FC236}">
                 <a16:creationId xmlns:a16="http://schemas.microsoft.com/office/drawing/2014/main" id="{FDF584BF-32C2-879F-5663-9A0EFBAAD818}"/>
@@ -3922,8 +3922,8 @@
         </p:nvSpPr>
         <p:spPr>
           <a:xfrm rot="19295725">
-            <a:off x="847900" y="447954"/>
-            <a:ext cx="309700" cy="369332"/>
+            <a:off x="1090414" y="468642"/>
+            <a:ext cx="386644" cy="523220"/>
           </a:xfrm>
           <a:prstGeom prst="rect">
             <a:avLst/>
@@ -3937,16 +3937,16 @@
           <a:lstStyle/>
           <a:p>
             <a:r>
-              <a:rPr lang="en-US" dirty="0"/>
+              <a:rPr lang="en-US" sz="2800" b="1" dirty="0"/>
               <a:t>R</a:t>
             </a:r>
-            <a:endParaRPr lang="nl-NL" dirty="0"/>
-          </a:p>
-        </p:txBody>
-      </p:sp>
-      <p:sp>
-        <p:nvSpPr>
-          <p:cNvPr id="78" name="TextBox 77">
+            <a:endParaRPr lang="nl-NL" sz="2800" b="1" dirty="0"/>
+          </a:p>
+        </p:txBody>
+      </p:sp>
+      <p:sp>
+        <p:nvSpPr>
+          <p:cNvPr id="22" name="TextBox 21">
             <a:extLst>
               <a:ext uri="{FF2B5EF4-FFF2-40B4-BE49-F238E27FC236}">
                 <a16:creationId xmlns:a16="http://schemas.microsoft.com/office/drawing/2014/main" id="{AB4B498D-CACF-A549-4FF0-7790B0EE6688}"/>
@@ -3958,8 +3958,8 @@
         </p:nvSpPr>
         <p:spPr>
           <a:xfrm rot="18494452">
-            <a:off x="988438" y="455615"/>
-            <a:ext cx="327334" cy="369332"/>
+            <a:off x="1303947" y="471541"/>
+            <a:ext cx="410690" cy="523220"/>
           </a:xfrm>
           <a:prstGeom prst="rect">
             <a:avLst/>
@@ -3973,16 +3973,16 @@
           <a:lstStyle/>
           <a:p>
             <a:r>
-              <a:rPr lang="en-US" dirty="0"/>
+              <a:rPr lang="en-US" sz="2800" b="1" dirty="0"/>
               <a:t>D</a:t>
             </a:r>
-            <a:endParaRPr lang="nl-NL" dirty="0"/>
-          </a:p>
-        </p:txBody>
-      </p:sp>
-      <p:sp>
-        <p:nvSpPr>
-          <p:cNvPr id="79" name="TextBox 78">
+            <a:endParaRPr lang="nl-NL" sz="2800" b="1" dirty="0"/>
+          </a:p>
+        </p:txBody>
+      </p:sp>
+      <p:sp>
+        <p:nvSpPr>
+          <p:cNvPr id="23" name="TextBox 22">
             <a:extLst>
               <a:ext uri="{FF2B5EF4-FFF2-40B4-BE49-F238E27FC236}">
                 <a16:creationId xmlns:a16="http://schemas.microsoft.com/office/drawing/2014/main" id="{EEA9FC56-CFFD-649C-6A14-F89125A178B5}"/>
@@ -3994,8 +3994,8 @@
         </p:nvSpPr>
         <p:spPr>
           <a:xfrm rot="18007377">
-            <a:off x="1142503" y="463448"/>
-            <a:ext cx="290464" cy="369332"/>
+            <a:off x="1534306" y="479374"/>
+            <a:ext cx="354584" cy="523220"/>
           </a:xfrm>
           <a:prstGeom prst="rect">
             <a:avLst/>
@@ -4009,16 +4009,16 @@
           <a:lstStyle/>
           <a:p>
             <a:r>
-              <a:rPr lang="en-US" dirty="0"/>
+              <a:rPr lang="en-US" sz="2800" b="1" dirty="0"/>
               <a:t>S</a:t>
             </a:r>
-            <a:endParaRPr lang="nl-NL" dirty="0"/>
-          </a:p>
-        </p:txBody>
-      </p:sp>
-      <p:sp>
-        <p:nvSpPr>
-          <p:cNvPr id="80" name="TextBox 79">
+            <a:endParaRPr lang="nl-NL" sz="2800" b="1" dirty="0"/>
+          </a:p>
+        </p:txBody>
+      </p:sp>
+      <p:sp>
+        <p:nvSpPr>
+          <p:cNvPr id="24" name="TextBox 23">
             <a:extLst>
               <a:ext uri="{FF2B5EF4-FFF2-40B4-BE49-F238E27FC236}">
                 <a16:creationId xmlns:a16="http://schemas.microsoft.com/office/drawing/2014/main" id="{3F0F570C-EA0F-9EF6-576B-48E16083FA6B}"/>
@@ -4030,8 +4030,8 @@
         </p:nvSpPr>
         <p:spPr>
           <a:xfrm rot="18785023">
-            <a:off x="1263946" y="463448"/>
-            <a:ext cx="290464" cy="369332"/>
+            <a:off x="1724900" y="479374"/>
+            <a:ext cx="335348" cy="523220"/>
           </a:xfrm>
           <a:prstGeom prst="rect">
             <a:avLst/>
@@ -4045,16 +4045,16 @@
           <a:lstStyle/>
           <a:p>
             <a:r>
-              <a:rPr lang="en-US" dirty="0"/>
+              <a:rPr lang="en-US" sz="2800" b="1" dirty="0"/>
               <a:t>L</a:t>
             </a:r>
-            <a:endParaRPr lang="nl-NL" dirty="0"/>
-          </a:p>
-        </p:txBody>
-      </p:sp>
-      <p:sp>
-        <p:nvSpPr>
-          <p:cNvPr id="81" name="TextBox 80">
+            <a:endParaRPr lang="nl-NL" sz="2800" b="1" dirty="0"/>
+          </a:p>
+        </p:txBody>
+      </p:sp>
+      <p:sp>
+        <p:nvSpPr>
+          <p:cNvPr id="25" name="TextBox 24">
             <a:extLst>
               <a:ext uri="{FF2B5EF4-FFF2-40B4-BE49-F238E27FC236}">
                 <a16:creationId xmlns:a16="http://schemas.microsoft.com/office/drawing/2014/main" id="{3528E274-8132-B1C9-262D-393EECFC5C04}"/>
@@ -4066,8 +4066,8 @@
         </p:nvSpPr>
         <p:spPr>
           <a:xfrm rot="16742823">
-            <a:off x="1388237" y="506559"/>
-            <a:ext cx="288862" cy="307777"/>
+            <a:off x="1912661" y="553262"/>
+            <a:ext cx="340158" cy="400110"/>
           </a:xfrm>
           <a:prstGeom prst="rect">
             <a:avLst/>
@@ -4081,16 +4081,16 @@
           <a:lstStyle/>
           <a:p>
             <a:r>
-              <a:rPr lang="en-US" sz="1400" dirty="0"/>
+              <a:rPr lang="en-US" sz="2000" b="1" dirty="0"/>
               <a:t>A</a:t>
             </a:r>
-            <a:endParaRPr lang="nl-NL" sz="1400" dirty="0"/>
-          </a:p>
-        </p:txBody>
-      </p:sp>
-      <p:sp>
-        <p:nvSpPr>
-          <p:cNvPr id="82" name="TextBox 81">
+            <a:endParaRPr lang="nl-NL" sz="2000" b="1" dirty="0"/>
+          </a:p>
+        </p:txBody>
+      </p:sp>
+      <p:sp>
+        <p:nvSpPr>
+          <p:cNvPr id="26" name="TextBox 25">
             <a:extLst>
               <a:ext uri="{FF2B5EF4-FFF2-40B4-BE49-F238E27FC236}">
                 <a16:creationId xmlns:a16="http://schemas.microsoft.com/office/drawing/2014/main" id="{26C48CCD-907C-EBA8-7ED6-250F2B1B6ACA}"/>
@@ -4102,8 +4102,8 @@
         </p:nvSpPr>
         <p:spPr>
           <a:xfrm rot="18644681">
-            <a:off x="1474928" y="494657"/>
-            <a:ext cx="344966" cy="307777"/>
+            <a:off x="2034179" y="558029"/>
+            <a:ext cx="417102" cy="400110"/>
           </a:xfrm>
           <a:prstGeom prst="rect">
             <a:avLst/>
@@ -4117,16 +4117,16 @@
           <a:lstStyle/>
           <a:p>
             <a:r>
-              <a:rPr lang="en-US" sz="1400" dirty="0"/>
+              <a:rPr lang="en-US" sz="2000" b="1" dirty="0"/>
               <a:t>W</a:t>
             </a:r>
-            <a:endParaRPr lang="nl-NL" sz="1400" dirty="0"/>
-          </a:p>
-        </p:txBody>
-      </p:sp>
-      <p:sp>
-        <p:nvSpPr>
-          <p:cNvPr id="83" name="TextBox 82">
+            <a:endParaRPr lang="nl-NL" sz="2000" b="1" dirty="0"/>
+          </a:p>
+        </p:txBody>
+      </p:sp>
+      <p:sp>
+        <p:nvSpPr>
+          <p:cNvPr id="27" name="TextBox 26">
             <a:extLst>
               <a:ext uri="{FF2B5EF4-FFF2-40B4-BE49-F238E27FC236}">
                 <a16:creationId xmlns:a16="http://schemas.microsoft.com/office/drawing/2014/main" id="{6D36FC2B-B640-D713-4109-3B7B044FD976}"/>
@@ -4138,8 +4138,8 @@
         </p:nvSpPr>
         <p:spPr>
           <a:xfrm rot="2553163">
-            <a:off x="100017" y="-131082"/>
-            <a:ext cx="444353" cy="707886"/>
+            <a:off x="54932" y="-280479"/>
+            <a:ext cx="535724" cy="923330"/>
           </a:xfrm>
           <a:prstGeom prst="rect">
             <a:avLst/>
@@ -4154,7 +4154,7 @@
           <a:p>
             <a:pPr algn="ctr"/>
             <a:r>
-              <a:rPr lang="en-US" sz="4000" dirty="0">
+              <a:rPr lang="en-US" sz="5400" dirty="0">
                 <a:solidFill>
                   <a:schemeClr val="accent2">
                     <a:lumMod val="50000"/>
@@ -4163,7 +4163,7 @@
               </a:rPr>
               <a:t>1</a:t>
             </a:r>
-            <a:endParaRPr lang="nl-NL" sz="4000" dirty="0">
+            <a:endParaRPr lang="nl-NL" sz="5400" dirty="0">
               <a:solidFill>
                 <a:schemeClr val="accent2">
                   <a:lumMod val="50000"/>
